--- a/Slides/Football 3/Footballl_3_Lecture.pptx
+++ b/Slides/Football 3/Footballl_3_Lecture.pptx
@@ -219,7 +219,7 @@
           <a:p>
             <a:fld id="{C04E5E84-956F-4423-97B3-5936A6D8EEEE}" type="datetimeFigureOut">
               <a:rPr lang="en-US" smtClean="0"/>
-              <a:t>10/15/2019</a:t>
+              <a:t>10/23/2019</a:t>
             </a:fld>
             <a:endParaRPr lang="en-US"/>
           </a:p>
@@ -671,7 +671,7 @@
           <a:p>
             <a:fld id="{3881C039-66A3-4640-815B-3B5A8B7D868D}" type="datetimeFigureOut">
               <a:rPr lang="en-US" smtClean="0"/>
-              <a:t>10/15/2019</a:t>
+              <a:t>10/23/2019</a:t>
             </a:fld>
             <a:endParaRPr lang="en-US"/>
           </a:p>
@@ -969,7 +969,7 @@
           <a:p>
             <a:fld id="{3881C039-66A3-4640-815B-3B5A8B7D868D}" type="datetimeFigureOut">
               <a:rPr lang="en-US" smtClean="0"/>
-              <a:t>10/15/2019</a:t>
+              <a:t>10/23/2019</a:t>
             </a:fld>
             <a:endParaRPr lang="en-US"/>
           </a:p>
@@ -1161,7 +1161,7 @@
           <a:p>
             <a:fld id="{3881C039-66A3-4640-815B-3B5A8B7D868D}" type="datetimeFigureOut">
               <a:rPr lang="en-US" smtClean="0"/>
-              <a:t>10/15/2019</a:t>
+              <a:t>10/23/2019</a:t>
             </a:fld>
             <a:endParaRPr lang="en-US"/>
           </a:p>
@@ -1422,7 +1422,7 @@
           <a:p>
             <a:fld id="{3881C039-66A3-4640-815B-3B5A8B7D868D}" type="datetimeFigureOut">
               <a:rPr lang="en-US" smtClean="0"/>
-              <a:t>10/15/2019</a:t>
+              <a:t>10/23/2019</a:t>
             </a:fld>
             <a:endParaRPr lang="en-US"/>
           </a:p>
@@ -1846,7 +1846,7 @@
           <a:p>
             <a:fld id="{3881C039-66A3-4640-815B-3B5A8B7D868D}" type="datetimeFigureOut">
               <a:rPr lang="en-US" smtClean="0"/>
-              <a:t>10/15/2019</a:t>
+              <a:t>10/23/2019</a:t>
             </a:fld>
             <a:endParaRPr lang="en-US"/>
           </a:p>
@@ -2383,7 +2383,7 @@
           <a:p>
             <a:fld id="{3881C039-66A3-4640-815B-3B5A8B7D868D}" type="datetimeFigureOut">
               <a:rPr lang="en-US" smtClean="0"/>
-              <a:t>10/15/2019</a:t>
+              <a:t>10/23/2019</a:t>
             </a:fld>
             <a:endParaRPr lang="en-US"/>
           </a:p>
@@ -3247,7 +3247,7 @@
           <a:p>
             <a:fld id="{3881C039-66A3-4640-815B-3B5A8B7D868D}" type="datetimeFigureOut">
               <a:rPr lang="en-US" smtClean="0"/>
-              <a:t>10/15/2019</a:t>
+              <a:t>10/23/2019</a:t>
             </a:fld>
             <a:endParaRPr lang="en-US"/>
           </a:p>
@@ -3417,7 +3417,7 @@
           <a:p>
             <a:fld id="{3881C039-66A3-4640-815B-3B5A8B7D868D}" type="datetimeFigureOut">
               <a:rPr lang="en-US" smtClean="0"/>
-              <a:t>10/15/2019</a:t>
+              <a:t>10/23/2019</a:t>
             </a:fld>
             <a:endParaRPr lang="en-US"/>
           </a:p>
@@ -3601,7 +3601,7 @@
           <a:p>
             <a:fld id="{3881C039-66A3-4640-815B-3B5A8B7D868D}" type="datetimeFigureOut">
               <a:rPr lang="en-US" smtClean="0"/>
-              <a:t>10/15/2019</a:t>
+              <a:t>10/23/2019</a:t>
             </a:fld>
             <a:endParaRPr lang="en-US"/>
           </a:p>
@@ -3771,7 +3771,7 @@
           <a:p>
             <a:fld id="{3881C039-66A3-4640-815B-3B5A8B7D868D}" type="datetimeFigureOut">
               <a:rPr lang="en-US" smtClean="0"/>
-              <a:t>10/15/2019</a:t>
+              <a:t>10/23/2019</a:t>
             </a:fld>
             <a:endParaRPr lang="en-US"/>
           </a:p>
@@ -4015,7 +4015,7 @@
           <a:p>
             <a:fld id="{3881C039-66A3-4640-815B-3B5A8B7D868D}" type="datetimeFigureOut">
               <a:rPr lang="en-US" smtClean="0"/>
-              <a:t>10/15/2019</a:t>
+              <a:t>10/23/2019</a:t>
             </a:fld>
             <a:endParaRPr lang="en-US"/>
           </a:p>
@@ -4251,7 +4251,7 @@
           <a:p>
             <a:fld id="{3881C039-66A3-4640-815B-3B5A8B7D868D}" type="datetimeFigureOut">
               <a:rPr lang="en-US" smtClean="0"/>
-              <a:t>10/15/2019</a:t>
+              <a:t>10/23/2019</a:t>
             </a:fld>
             <a:endParaRPr lang="en-US"/>
           </a:p>
@@ -4717,7 +4717,7 @@
           <a:p>
             <a:fld id="{3881C039-66A3-4640-815B-3B5A8B7D868D}" type="datetimeFigureOut">
               <a:rPr lang="en-US" smtClean="0"/>
-              <a:t>10/15/2019</a:t>
+              <a:t>10/23/2019</a:t>
             </a:fld>
             <a:endParaRPr lang="en-US"/>
           </a:p>
@@ -4835,7 +4835,7 @@
           <a:p>
             <a:fld id="{3881C039-66A3-4640-815B-3B5A8B7D868D}" type="datetimeFigureOut">
               <a:rPr lang="en-US" smtClean="0"/>
-              <a:t>10/15/2019</a:t>
+              <a:t>10/23/2019</a:t>
             </a:fld>
             <a:endParaRPr lang="en-US"/>
           </a:p>
@@ -4930,7 +4930,7 @@
           <a:p>
             <a:fld id="{3881C039-66A3-4640-815B-3B5A8B7D868D}" type="datetimeFigureOut">
               <a:rPr lang="en-US" smtClean="0"/>
-              <a:t>10/15/2019</a:t>
+              <a:t>10/23/2019</a:t>
             </a:fld>
             <a:endParaRPr lang="en-US"/>
           </a:p>
@@ -5185,7 +5185,7 @@
           <a:p>
             <a:fld id="{3881C039-66A3-4640-815B-3B5A8B7D868D}" type="datetimeFigureOut">
               <a:rPr lang="en-US" smtClean="0"/>
-              <a:t>10/15/2019</a:t>
+              <a:t>10/23/2019</a:t>
             </a:fld>
             <a:endParaRPr lang="en-US"/>
           </a:p>
@@ -5485,7 +5485,7 @@
           <a:p>
             <a:fld id="{3881C039-66A3-4640-815B-3B5A8B7D868D}" type="datetimeFigureOut">
               <a:rPr lang="en-US" smtClean="0"/>
-              <a:t>10/15/2019</a:t>
+              <a:t>10/23/2019</a:t>
             </a:fld>
             <a:endParaRPr lang="en-US"/>
           </a:p>
@@ -5719,7 +5719,7 @@
           <a:p>
             <a:fld id="{3881C039-66A3-4640-815B-3B5A8B7D868D}" type="datetimeFigureOut">
               <a:rPr lang="en-US" smtClean="0"/>
-              <a:t>10/15/2019</a:t>
+              <a:t>10/23/2019</a:t>
             </a:fld>
             <a:endParaRPr lang="en-US"/>
           </a:p>
@@ -7191,8 +7191,8 @@
           </a:prstGeom>
         </p:spPr>
       </p:pic>
-      <mc:AlternateContent xmlns:mc="http://schemas.openxmlformats.org/markup-compatibility/2006">
-        <mc:Choice xmlns:a14="http://schemas.microsoft.com/office/drawing/2010/main" Requires="a14">
+      <mc:AlternateContent xmlns:mc="http://schemas.openxmlformats.org/markup-compatibility/2006" xmlns:a14="http://schemas.microsoft.com/office/drawing/2010/main">
+        <mc:Choice Requires="a14">
           <p:sp>
             <p:nvSpPr>
               <p:cNvPr id="12" name="TextBox 11">
@@ -7305,13 +7305,7 @@
                             <a:rPr lang="en-US" sz="2000" b="0" i="1" smtClean="0">
                               <a:latin typeface="Cambria Math" panose="02040503050406030204" pitchFamily="18" charset="0"/>
                             </a:rPr>
-                            <m:t>−0.05</m:t>
-                          </m:r>
-                          <m:r>
-                            <a:rPr lang="en-US" sz="2000" b="0" i="1" smtClean="0">
-                              <a:latin typeface="Cambria Math" panose="02040503050406030204" pitchFamily="18" charset="0"/>
-                            </a:rPr>
-                            <m:t>×</m:t>
+                            <m:t>−0.05×</m:t>
                           </m:r>
                           <m:sSub>
                             <m:sSubPr>
@@ -7667,13 +7661,7 @@
                         <a:rPr lang="en-US" sz="2000" i="1">
                           <a:latin typeface="Cambria Math" panose="02040503050406030204" pitchFamily="18" charset="0"/>
                         </a:rPr>
-                        <m:t>[</m:t>
-                      </m:r>
-                      <m:r>
-                        <a:rPr lang="en-US" sz="2000" i="1">
-                          <a:latin typeface="Cambria Math" panose="02040503050406030204" pitchFamily="18" charset="0"/>
-                        </a:rPr>
-                        <m:t>0.5×</m:t>
+                        <m:t>[0.5×</m:t>
                       </m:r>
                       <m:sSub>
                         <m:sSubPr>
@@ -7890,13 +7878,7 @@
                         <a:rPr lang="en-US" sz="2000" i="1">
                           <a:latin typeface="Cambria Math" panose="02040503050406030204" pitchFamily="18" charset="0"/>
                         </a:rPr>
-                        <m:t>[</m:t>
-                      </m:r>
-                      <m:r>
-                        <a:rPr lang="en-US" sz="2000" i="1">
-                          <a:latin typeface="Cambria Math" panose="02040503050406030204" pitchFamily="18" charset="0"/>
-                        </a:rPr>
-                        <m:t>0.5×</m:t>
+                        <m:t>[0.5×</m:t>
                       </m:r>
                       <m:sSub>
                         <m:sSubPr>
@@ -8031,13 +8013,7 @@
                             <a:rPr lang="en-US" sz="2000" i="1">
                               <a:latin typeface="Cambria Math" panose="02040503050406030204" pitchFamily="18" charset="0"/>
                             </a:rPr>
-                            <m:t>1</m:t>
-                          </m:r>
-                          <m:r>
-                            <a:rPr lang="en-US" sz="2000" i="1">
-                              <a:latin typeface="Cambria Math" panose="02040503050406030204" pitchFamily="18" charset="0"/>
-                            </a:rPr>
-                            <m:t>×</m:t>
+                            <m:t>1×</m:t>
                           </m:r>
                           <m:sSub>
                             <m:sSubPr>
@@ -8082,13 +8058,7 @@
                         <a:rPr lang="en-US" sz="2000" i="1">
                           <a:latin typeface="Cambria Math" panose="02040503050406030204" pitchFamily="18" charset="0"/>
                         </a:rPr>
-                        <m:t>[</m:t>
-                      </m:r>
-                      <m:r>
-                        <a:rPr lang="en-US" sz="2000" i="1">
-                          <a:latin typeface="Cambria Math" panose="02040503050406030204" pitchFamily="18" charset="0"/>
-                        </a:rPr>
-                        <m:t>0.5×</m:t>
+                        <m:t>[0.5×</m:t>
                       </m:r>
                       <m:sSub>
                         <m:sSubPr>
@@ -8277,7 +8247,7 @@
             </p:txBody>
           </p:sp>
         </mc:Choice>
-        <mc:Fallback>
+        <mc:Fallback xmlns="">
           <p:sp>
             <p:nvSpPr>
               <p:cNvPr id="12" name="TextBox 11">
@@ -15041,8 +15011,8 @@
           </a:prstGeom>
         </p:spPr>
       </p:pic>
-      <mc:AlternateContent xmlns:mc="http://schemas.openxmlformats.org/markup-compatibility/2006">
-        <mc:Choice xmlns:a14="http://schemas.microsoft.com/office/drawing/2010/main" Requires="a14">
+      <mc:AlternateContent xmlns:mc="http://schemas.openxmlformats.org/markup-compatibility/2006" xmlns:a14="http://schemas.microsoft.com/office/drawing/2010/main">
+        <mc:Choice Requires="a14">
           <p:sp>
             <p:nvSpPr>
               <p:cNvPr id="11" name="TextBox 10">
@@ -15183,7 +15153,7 @@
             </p:txBody>
           </p:sp>
         </mc:Choice>
-        <mc:Fallback>
+        <mc:Fallback xmlns="">
           <p:sp>
             <p:nvSpPr>
               <p:cNvPr id="11" name="TextBox 10">
@@ -15228,8 +15198,8 @@
           </p:sp>
         </mc:Fallback>
       </mc:AlternateContent>
-      <mc:AlternateContent xmlns:mc="http://schemas.openxmlformats.org/markup-compatibility/2006">
-        <mc:Choice xmlns:a14="http://schemas.microsoft.com/office/drawing/2010/main" Requires="a14">
+      <mc:AlternateContent xmlns:mc="http://schemas.openxmlformats.org/markup-compatibility/2006" xmlns:a14="http://schemas.microsoft.com/office/drawing/2010/main">
+        <mc:Choice Requires="a14">
           <p:sp>
             <p:nvSpPr>
               <p:cNvPr id="12" name="TextBox 11">
@@ -15772,7 +15742,7 @@
             </p:txBody>
           </p:sp>
         </mc:Choice>
-        <mc:Fallback>
+        <mc:Fallback xmlns="">
           <p:sp>
             <p:nvSpPr>
               <p:cNvPr id="12" name="TextBox 11">
@@ -16761,8 +16731,8 @@
           </a:prstGeom>
         </p:spPr>
       </p:pic>
-      <mc:AlternateContent xmlns:mc="http://schemas.openxmlformats.org/markup-compatibility/2006">
-        <mc:Choice xmlns:a14="http://schemas.microsoft.com/office/drawing/2010/main" Requires="a14">
+      <mc:AlternateContent xmlns:mc="http://schemas.openxmlformats.org/markup-compatibility/2006" xmlns:a14="http://schemas.microsoft.com/office/drawing/2010/main">
+        <mc:Choice Requires="a14">
           <p:sp>
             <p:nvSpPr>
               <p:cNvPr id="12" name="TextBox 11">
@@ -17049,7 +17019,7 @@
             </p:txBody>
           </p:sp>
         </mc:Choice>
-        <mc:Fallback>
+        <mc:Fallback xmlns="">
           <p:sp>
             <p:nvSpPr>
               <p:cNvPr id="12" name="TextBox 11">
